--- a/docs/Mockups/First Draft/Draft Workout Summary.pptx
+++ b/docs/Mockups/First Draft/Draft Workout Summary.pptx
@@ -288,7 +288,7 @@
           <a:p>
             <a:fld id="{F8E37770-E9C7-4857-8BDC-5471EFF7663A}" type="datetimeFigureOut">
               <a:rPr lang="en-US" smtClean="0"/>
-              <a:t>1/15/2014</a:t>
+              <a:t>1/16/2014</a:t>
             </a:fld>
             <a:endParaRPr lang="en-US"/>
           </a:p>
@@ -458,7 +458,7 @@
           <a:p>
             <a:fld id="{F8E37770-E9C7-4857-8BDC-5471EFF7663A}" type="datetimeFigureOut">
               <a:rPr lang="en-US" smtClean="0"/>
-              <a:t>1/15/2014</a:t>
+              <a:t>1/16/2014</a:t>
             </a:fld>
             <a:endParaRPr lang="en-US"/>
           </a:p>
@@ -638,7 +638,7 @@
           <a:p>
             <a:fld id="{F8E37770-E9C7-4857-8BDC-5471EFF7663A}" type="datetimeFigureOut">
               <a:rPr lang="en-US" smtClean="0"/>
-              <a:t>1/15/2014</a:t>
+              <a:t>1/16/2014</a:t>
             </a:fld>
             <a:endParaRPr lang="en-US"/>
           </a:p>
@@ -808,7 +808,7 @@
           <a:p>
             <a:fld id="{F8E37770-E9C7-4857-8BDC-5471EFF7663A}" type="datetimeFigureOut">
               <a:rPr lang="en-US" smtClean="0"/>
-              <a:t>1/15/2014</a:t>
+              <a:t>1/16/2014</a:t>
             </a:fld>
             <a:endParaRPr lang="en-US"/>
           </a:p>
@@ -1054,7 +1054,7 @@
           <a:p>
             <a:fld id="{F8E37770-E9C7-4857-8BDC-5471EFF7663A}" type="datetimeFigureOut">
               <a:rPr lang="en-US" smtClean="0"/>
-              <a:t>1/15/2014</a:t>
+              <a:t>1/16/2014</a:t>
             </a:fld>
             <a:endParaRPr lang="en-US"/>
           </a:p>
@@ -1342,7 +1342,7 @@
           <a:p>
             <a:fld id="{F8E37770-E9C7-4857-8BDC-5471EFF7663A}" type="datetimeFigureOut">
               <a:rPr lang="en-US" smtClean="0"/>
-              <a:t>1/15/2014</a:t>
+              <a:t>1/16/2014</a:t>
             </a:fld>
             <a:endParaRPr lang="en-US"/>
           </a:p>
@@ -1764,7 +1764,7 @@
           <a:p>
             <a:fld id="{F8E37770-E9C7-4857-8BDC-5471EFF7663A}" type="datetimeFigureOut">
               <a:rPr lang="en-US" smtClean="0"/>
-              <a:t>1/15/2014</a:t>
+              <a:t>1/16/2014</a:t>
             </a:fld>
             <a:endParaRPr lang="en-US"/>
           </a:p>
@@ -1882,7 +1882,7 @@
           <a:p>
             <a:fld id="{F8E37770-E9C7-4857-8BDC-5471EFF7663A}" type="datetimeFigureOut">
               <a:rPr lang="en-US" smtClean="0"/>
-              <a:t>1/15/2014</a:t>
+              <a:t>1/16/2014</a:t>
             </a:fld>
             <a:endParaRPr lang="en-US"/>
           </a:p>
@@ -1977,7 +1977,7 @@
           <a:p>
             <a:fld id="{F8E37770-E9C7-4857-8BDC-5471EFF7663A}" type="datetimeFigureOut">
               <a:rPr lang="en-US" smtClean="0"/>
-              <a:t>1/15/2014</a:t>
+              <a:t>1/16/2014</a:t>
             </a:fld>
             <a:endParaRPr lang="en-US"/>
           </a:p>
@@ -2254,7 +2254,7 @@
           <a:p>
             <a:fld id="{F8E37770-E9C7-4857-8BDC-5471EFF7663A}" type="datetimeFigureOut">
               <a:rPr lang="en-US" smtClean="0"/>
-              <a:t>1/15/2014</a:t>
+              <a:t>1/16/2014</a:t>
             </a:fld>
             <a:endParaRPr lang="en-US"/>
           </a:p>
@@ -2507,7 +2507,7 @@
           <a:p>
             <a:fld id="{F8E37770-E9C7-4857-8BDC-5471EFF7663A}" type="datetimeFigureOut">
               <a:rPr lang="en-US" smtClean="0"/>
-              <a:t>1/15/2014</a:t>
+              <a:t>1/16/2014</a:t>
             </a:fld>
             <a:endParaRPr lang="en-US"/>
           </a:p>
@@ -2720,7 +2720,7 @@
           <a:p>
             <a:fld id="{F8E37770-E9C7-4857-8BDC-5471EFF7663A}" type="datetimeFigureOut">
               <a:rPr lang="en-US" smtClean="0"/>
-              <a:t>1/15/2014</a:t>
+              <a:t>1/16/2014</a:t>
             </a:fld>
             <a:endParaRPr lang="en-US"/>
           </a:p>

--- a/docs/Mockups/First Draft/Draft Workout Summary.pptx
+++ b/docs/Mockups/First Draft/Draft Workout Summary.pptx
@@ -3118,7 +3118,7 @@
         </p:blipFill>
         <p:spPr bwMode="auto">
           <a:xfrm>
-            <a:off x="0" y="0"/>
+            <a:off x="-1" y="-5776"/>
             <a:ext cx="9144000" cy="6858000"/>
           </a:xfrm>
           <a:prstGeom prst="rect">
@@ -3138,13 +3138,13 @@
       </p:pic>
       <p:sp>
         <p:nvSpPr>
-          <p:cNvPr id="30" name="Multiply 29"/>
+          <p:cNvPr id="28" name="Multiply 27"/>
           <p:cNvSpPr/>
           <p:nvPr/>
         </p:nvSpPr>
         <p:spPr>
           <a:xfrm>
-            <a:off x="6457950" y="1437254"/>
+            <a:off x="6505574" y="3232724"/>
             <a:ext cx="381000" cy="381000"/>
           </a:xfrm>
           <a:prstGeom prst="mathMultiply">
@@ -3208,13 +3208,13 @@
       </p:sp>
       <p:sp>
         <p:nvSpPr>
-          <p:cNvPr id="29" name="Multiply 28"/>
+          <p:cNvPr id="24" name="Multiply 23"/>
           <p:cNvSpPr/>
           <p:nvPr/>
         </p:nvSpPr>
         <p:spPr>
           <a:xfrm>
-            <a:off x="6467475" y="904875"/>
+            <a:off x="6515099" y="2461199"/>
             <a:ext cx="381000" cy="381000"/>
           </a:xfrm>
           <a:prstGeom prst="mathMultiply">
@@ -3278,13 +3278,83 @@
       </p:sp>
       <p:sp>
         <p:nvSpPr>
+          <p:cNvPr id="29" name="Multiply 28"/>
+          <p:cNvSpPr/>
+          <p:nvPr/>
+        </p:nvSpPr>
+        <p:spPr>
+          <a:xfrm>
+            <a:off x="6505574" y="1699199"/>
+            <a:ext cx="381000" cy="381000"/>
+          </a:xfrm>
+          <a:prstGeom prst="mathMultiply">
+            <a:avLst/>
+          </a:prstGeom>
+          <a:gradFill flip="none" rotWithShape="1">
+            <a:gsLst>
+              <a:gs pos="0">
+                <a:schemeClr val="bg1">
+                  <a:lumMod val="24000"/>
+                  <a:lumOff val="76000"/>
+                </a:schemeClr>
+              </a:gs>
+              <a:gs pos="63000">
+                <a:schemeClr val="bg1">
+                  <a:lumMod val="85000"/>
+                </a:schemeClr>
+              </a:gs>
+              <a:gs pos="100000">
+                <a:schemeClr val="bg1">
+                  <a:lumMod val="85000"/>
+                </a:schemeClr>
+              </a:gs>
+            </a:gsLst>
+            <a:lin ang="10800000" scaled="1"/>
+            <a:tileRect/>
+          </a:gradFill>
+          <a:ln w="3175">
+            <a:solidFill>
+              <a:schemeClr val="tx1">
+                <a:lumMod val="85000"/>
+                <a:lumOff val="15000"/>
+              </a:schemeClr>
+            </a:solidFill>
+          </a:ln>
+        </p:spPr>
+        <p:style>
+          <a:lnRef idx="2">
+            <a:schemeClr val="accent1">
+              <a:shade val="50000"/>
+            </a:schemeClr>
+          </a:lnRef>
+          <a:fillRef idx="1">
+            <a:schemeClr val="accent1"/>
+          </a:fillRef>
+          <a:effectRef idx="0">
+            <a:schemeClr val="accent1"/>
+          </a:effectRef>
+          <a:fontRef idx="minor">
+            <a:schemeClr val="lt1"/>
+          </a:fontRef>
+        </p:style>
+        <p:txBody>
+          <a:bodyPr rtlCol="0" anchor="ctr"/>
+          <a:lstStyle/>
+          <a:p>
+            <a:pPr algn="ctr"/>
+            <a:endParaRPr lang="en-US"/>
+          </a:p>
+        </p:txBody>
+      </p:sp>
+      <p:sp>
+        <p:nvSpPr>
           <p:cNvPr id="4" name="Rectangle 3"/>
           <p:cNvSpPr/>
           <p:nvPr/>
         </p:nvSpPr>
         <p:spPr>
           <a:xfrm>
-            <a:off x="0" y="0"/>
+            <a:off x="9524" y="3749"/>
             <a:ext cx="9144000" cy="6858000"/>
           </a:xfrm>
           <a:prstGeom prst="rect">
@@ -3379,7 +3449,7 @@
         </p:nvSpPr>
         <p:spPr>
           <a:xfrm>
-            <a:off x="2667000" y="914400"/>
+            <a:off x="2705099" y="1708724"/>
             <a:ext cx="3733800" cy="381000"/>
           </a:xfrm>
           <a:prstGeom prst="rect">
@@ -3449,7 +3519,7 @@
         </p:nvSpPr>
         <p:spPr>
           <a:xfrm>
-            <a:off x="1828800" y="933450"/>
+            <a:off x="1866899" y="1727774"/>
             <a:ext cx="685800" cy="381000"/>
           </a:xfrm>
           <a:prstGeom prst="rect">
@@ -3474,122 +3544,6 @@
                 <a:latin typeface="Calibri Light" panose="020F0302020204030204" pitchFamily="34" charset="0"/>
               </a:rPr>
               <a:t>Time</a:t>
-            </a:r>
-            <a:endParaRPr lang="en-US" dirty="0">
-              <a:solidFill>
-                <a:schemeClr val="tx1">
-                  <a:lumMod val="50000"/>
-                  <a:lumOff val="50000"/>
-                </a:schemeClr>
-              </a:solidFill>
-              <a:latin typeface="Calibri Light" panose="020F0302020204030204" pitchFamily="34" charset="0"/>
-            </a:endParaRPr>
-          </a:p>
-        </p:txBody>
-      </p:sp>
-      <p:sp>
-        <p:nvSpPr>
-          <p:cNvPr id="10" name="TextBox 9"/>
-          <p:cNvSpPr txBox="1"/>
-          <p:nvPr/>
-        </p:nvSpPr>
-        <p:spPr>
-          <a:xfrm>
-            <a:off x="828675" y="1459468"/>
-            <a:ext cx="1676400" cy="369332"/>
-          </a:xfrm>
-          <a:prstGeom prst="rect">
-            <a:avLst/>
-          </a:prstGeom>
-          <a:noFill/>
-        </p:spPr>
-        <p:txBody>
-          <a:bodyPr wrap="square" rtlCol="0">
-            <a:spAutoFit/>
-          </a:bodyPr>
-          <a:lstStyle/>
-          <a:p>
-            <a:r>
-              <a:rPr lang="en-US" dirty="0" smtClean="0">
-                <a:solidFill>
-                  <a:schemeClr val="tx1">
-                    <a:lumMod val="50000"/>
-                    <a:lumOff val="50000"/>
-                  </a:schemeClr>
-                </a:solidFill>
-                <a:latin typeface="Calibri Light" panose="020F0302020204030204" pitchFamily="34" charset="0"/>
-              </a:rPr>
-              <a:t>Distance (miles)</a:t>
-            </a:r>
-            <a:endParaRPr lang="en-US" dirty="0">
-              <a:solidFill>
-                <a:schemeClr val="tx1">
-                  <a:lumMod val="50000"/>
-                  <a:lumOff val="50000"/>
-                </a:schemeClr>
-              </a:solidFill>
-              <a:latin typeface="Calibri Light" panose="020F0302020204030204" pitchFamily="34" charset="0"/>
-            </a:endParaRPr>
-          </a:p>
-        </p:txBody>
-      </p:sp>
-      <p:sp>
-        <p:nvSpPr>
-          <p:cNvPr id="11" name="Rectangle 10"/>
-          <p:cNvSpPr/>
-          <p:nvPr/>
-        </p:nvSpPr>
-        <p:spPr>
-          <a:xfrm>
-            <a:off x="2667000" y="1447800"/>
-            <a:ext cx="3733800" cy="381000"/>
-          </a:xfrm>
-          <a:prstGeom prst="rect">
-            <a:avLst/>
-          </a:prstGeom>
-          <a:solidFill>
-            <a:schemeClr val="bg1"/>
-          </a:solidFill>
-          <a:ln w="12700">
-            <a:solidFill>
-              <a:schemeClr val="bg1">
-                <a:lumMod val="85000"/>
-              </a:schemeClr>
-            </a:solidFill>
-          </a:ln>
-        </p:spPr>
-        <p:style>
-          <a:lnRef idx="2">
-            <a:schemeClr val="accent1">
-              <a:shade val="50000"/>
-            </a:schemeClr>
-          </a:lnRef>
-          <a:fillRef idx="1">
-            <a:schemeClr val="accent1"/>
-          </a:fillRef>
-          <a:effectRef idx="0">
-            <a:schemeClr val="accent1"/>
-          </a:effectRef>
-          <a:fontRef idx="minor">
-            <a:schemeClr val="lt1"/>
-          </a:fontRef>
-        </p:style>
-        <p:txBody>
-          <a:bodyPr rtlCol="0" anchor="ctr"/>
-          <a:lstStyle/>
-          <a:p>
-            <a:pPr algn="ctr"/>
-            <a:r>
-              <a:rPr lang="en-US" dirty="0" smtClean="0">
-                <a:solidFill>
-                  <a:schemeClr val="tx1">
-                    <a:lumMod val="50000"/>
-                    <a:lumOff val="50000"/>
-                  </a:schemeClr>
-                </a:solidFill>
-                <a:latin typeface="Calibri Light" panose="020F0302020204030204" pitchFamily="34" charset="0"/>
-              </a:rPr>
-              <a:t>5.6</a:t>
             </a:r>
             <a:endParaRPr lang="en-US" dirty="0">
               <a:solidFill>
@@ -3738,234 +3692,13 @@
       </p:cxnSp>
       <p:sp>
         <p:nvSpPr>
-          <p:cNvPr id="16" name="Rounded Rectangle 15"/>
+          <p:cNvPr id="32" name="Rounded Rectangle 31"/>
           <p:cNvSpPr/>
           <p:nvPr/>
         </p:nvSpPr>
         <p:spPr>
           <a:xfrm>
-            <a:off x="4624388" y="4724400"/>
-            <a:ext cx="2995612" cy="325398"/>
-          </a:xfrm>
-          <a:prstGeom prst="roundRect">
-            <a:avLst/>
-          </a:prstGeom>
-          <a:solidFill>
-            <a:schemeClr val="bg1"/>
-          </a:solidFill>
-          <a:ln w="3175">
-            <a:solidFill>
-              <a:schemeClr val="tx1">
-                <a:lumMod val="75000"/>
-                <a:lumOff val="25000"/>
-              </a:schemeClr>
-            </a:solidFill>
-          </a:ln>
-        </p:spPr>
-        <p:style>
-          <a:lnRef idx="2">
-            <a:schemeClr val="accent1">
-              <a:shade val="50000"/>
-            </a:schemeClr>
-          </a:lnRef>
-          <a:fillRef idx="1">
-            <a:schemeClr val="accent1"/>
-          </a:fillRef>
-          <a:effectRef idx="0">
-            <a:schemeClr val="accent1"/>
-          </a:effectRef>
-          <a:fontRef idx="minor">
-            <a:schemeClr val="lt1"/>
-          </a:fontRef>
-        </p:style>
-        <p:txBody>
-          <a:bodyPr rtlCol="0" anchor="ctr"/>
-          <a:lstStyle/>
-          <a:p>
-            <a:r>
-              <a:rPr lang="en-US" dirty="0" smtClean="0">
-                <a:solidFill>
-                  <a:schemeClr val="tx1">
-                    <a:lumMod val="50000"/>
-                    <a:lumOff val="50000"/>
-                  </a:schemeClr>
-                </a:solidFill>
-                <a:latin typeface="Calibri Light" panose="020F0302020204030204" pitchFamily="34" charset="0"/>
-              </a:rPr>
-              <a:t>seconds</a:t>
-            </a:r>
-          </a:p>
-        </p:txBody>
-      </p:sp>
-      <p:cxnSp>
-        <p:nvCxnSpPr>
-          <p:cNvPr id="17" name="Straight Connector 16"/>
-          <p:cNvCxnSpPr/>
-          <p:nvPr/>
-        </p:nvCxnSpPr>
-        <p:spPr>
-          <a:xfrm>
-            <a:off x="7210427" y="4727854"/>
-            <a:ext cx="0" cy="325398"/>
-          </a:xfrm>
-          <a:prstGeom prst="line">
-            <a:avLst/>
-          </a:prstGeom>
-          <a:ln>
-            <a:solidFill>
-              <a:schemeClr val="tx1">
-                <a:lumMod val="75000"/>
-                <a:lumOff val="25000"/>
-              </a:schemeClr>
-            </a:solidFill>
-          </a:ln>
-        </p:spPr>
-        <p:style>
-          <a:lnRef idx="1">
-            <a:schemeClr val="accent1"/>
-          </a:lnRef>
-          <a:fillRef idx="0">
-            <a:schemeClr val="accent1"/>
-          </a:fillRef>
-          <a:effectRef idx="0">
-            <a:schemeClr val="accent1"/>
-          </a:effectRef>
-          <a:fontRef idx="minor">
-            <a:schemeClr val="tx1"/>
-          </a:fontRef>
-        </p:style>
-      </p:cxnSp>
-      <p:sp>
-        <p:nvSpPr>
-          <p:cNvPr id="18" name="Isosceles Triangle 17"/>
-          <p:cNvSpPr/>
-          <p:nvPr/>
-        </p:nvSpPr>
-        <p:spPr>
-          <a:xfrm flipV="1">
-            <a:off x="7305682" y="4798220"/>
-            <a:ext cx="228603" cy="184666"/>
-          </a:xfrm>
-          <a:prstGeom prst="triangle">
-            <a:avLst/>
-          </a:prstGeom>
-          <a:solidFill>
-            <a:schemeClr val="bg1">
-              <a:lumMod val="85000"/>
-            </a:schemeClr>
-          </a:solidFill>
-          <a:ln w="3175">
-            <a:solidFill>
-              <a:schemeClr val="tx1">
-                <a:lumMod val="75000"/>
-                <a:lumOff val="25000"/>
-              </a:schemeClr>
-            </a:solidFill>
-          </a:ln>
-        </p:spPr>
-        <p:style>
-          <a:lnRef idx="2">
-            <a:schemeClr val="accent1">
-              <a:shade val="50000"/>
-            </a:schemeClr>
-          </a:lnRef>
-          <a:fillRef idx="1">
-            <a:schemeClr val="accent1"/>
-          </a:fillRef>
-          <a:effectRef idx="0">
-            <a:schemeClr val="accent1"/>
-          </a:effectRef>
-          <a:fontRef idx="minor">
-            <a:schemeClr val="lt1"/>
-          </a:fontRef>
-        </p:style>
-        <p:txBody>
-          <a:bodyPr rtlCol="0" anchor="ctr"/>
-          <a:lstStyle/>
-          <a:p>
-            <a:pPr algn="ctr"/>
-            <a:endParaRPr lang="en-US" dirty="0" smtClean="0">
-              <a:solidFill>
-                <a:schemeClr val="tx1"/>
-              </a:solidFill>
-            </a:endParaRPr>
-          </a:p>
-        </p:txBody>
-      </p:sp>
-      <p:sp>
-        <p:nvSpPr>
-          <p:cNvPr id="15" name="Flowchart: Process 14"/>
-          <p:cNvSpPr/>
-          <p:nvPr/>
-        </p:nvSpPr>
-        <p:spPr>
-          <a:xfrm>
-            <a:off x="966787" y="4724400"/>
-            <a:ext cx="3505200" cy="325398"/>
-          </a:xfrm>
-          <a:prstGeom prst="flowChartProcess">
-            <a:avLst/>
-          </a:prstGeom>
-          <a:solidFill>
-            <a:schemeClr val="bg1"/>
-          </a:solidFill>
-          <a:ln>
-            <a:noFill/>
-          </a:ln>
-        </p:spPr>
-        <p:style>
-          <a:lnRef idx="2">
-            <a:schemeClr val="accent1">
-              <a:shade val="50000"/>
-            </a:schemeClr>
-          </a:lnRef>
-          <a:fillRef idx="1">
-            <a:schemeClr val="accent1"/>
-          </a:fillRef>
-          <a:effectRef idx="0">
-            <a:schemeClr val="accent1"/>
-          </a:effectRef>
-          <a:fontRef idx="minor">
-            <a:schemeClr val="lt1"/>
-          </a:fontRef>
-        </p:style>
-        <p:txBody>
-          <a:bodyPr rtlCol="0" anchor="ctr"/>
-          <a:lstStyle/>
-          <a:p>
-            <a:r>
-              <a:rPr lang="en-US" dirty="0" smtClean="0">
-                <a:solidFill>
-                  <a:schemeClr val="tx1">
-                    <a:lumMod val="50000"/>
-                    <a:lumOff val="50000"/>
-                  </a:schemeClr>
-                </a:solidFill>
-                <a:latin typeface="Calibri Light" panose="020F0302020204030204" pitchFamily="34" charset="0"/>
-              </a:rPr>
-              <a:t>Enter name of new statistic. . .</a:t>
-            </a:r>
-            <a:endParaRPr lang="en-US" dirty="0">
-              <a:solidFill>
-                <a:schemeClr val="tx1">
-                  <a:lumMod val="50000"/>
-                  <a:lumOff val="50000"/>
-                </a:schemeClr>
-              </a:solidFill>
-              <a:latin typeface="Calibri Light" panose="020F0302020204030204" pitchFamily="34" charset="0"/>
-            </a:endParaRPr>
-          </a:p>
-        </p:txBody>
-      </p:sp>
-      <p:sp>
-        <p:nvSpPr>
-          <p:cNvPr id="25" name="Rounded Rectangle 24"/>
-          <p:cNvSpPr/>
-          <p:nvPr/>
-        </p:nvSpPr>
-        <p:spPr>
-          <a:xfrm>
-            <a:off x="2984896" y="5257800"/>
+            <a:off x="2984896" y="4876800"/>
             <a:ext cx="3174207" cy="457200"/>
           </a:xfrm>
           <a:prstGeom prst="roundRect">
@@ -4016,7 +3749,7 @@
                 </a:solidFill>
                 <a:latin typeface="Calibri Light" panose="020F0302020204030204" pitchFamily="34" charset="0"/>
               </a:rPr>
-              <a:t>Add New</a:t>
+              <a:t>Save</a:t>
             </a:r>
             <a:endParaRPr lang="en-US" dirty="0">
               <a:solidFill>
@@ -4032,28 +3765,25 @@
       </p:sp>
       <p:sp>
         <p:nvSpPr>
-          <p:cNvPr id="32" name="Rounded Rectangle 31"/>
+          <p:cNvPr id="26" name="Rectangle 25"/>
           <p:cNvSpPr/>
           <p:nvPr/>
         </p:nvSpPr>
         <p:spPr>
           <a:xfrm>
-            <a:off x="2971799" y="5943600"/>
-            <a:ext cx="3174207" cy="457200"/>
+            <a:off x="2714624" y="2470724"/>
+            <a:ext cx="3733800" cy="381000"/>
           </a:xfrm>
-          <a:prstGeom prst="roundRect">
+          <a:prstGeom prst="rect">
             <a:avLst/>
           </a:prstGeom>
           <a:solidFill>
-            <a:schemeClr val="bg1">
-              <a:alpha val="29000"/>
-            </a:schemeClr>
+            <a:schemeClr val="bg1"/>
           </a:solidFill>
-          <a:ln w="15875">
+          <a:ln w="12700">
             <a:solidFill>
-              <a:schemeClr val="tx1">
-                <a:lumMod val="50000"/>
-                <a:lumOff val="50000"/>
+              <a:schemeClr val="bg1">
+                <a:lumMod val="85000"/>
               </a:schemeClr>
             </a:solidFill>
           </a:ln>
@@ -4089,7 +3819,169 @@
                 </a:solidFill>
                 <a:latin typeface="Calibri Light" panose="020F0302020204030204" pitchFamily="34" charset="0"/>
               </a:rPr>
-              <a:t>Save</a:t>
+              <a:t>1:21:30</a:t>
+            </a:r>
+            <a:endParaRPr lang="en-US" dirty="0">
+              <a:solidFill>
+                <a:schemeClr val="tx1">
+                  <a:lumMod val="50000"/>
+                  <a:lumOff val="50000"/>
+                </a:schemeClr>
+              </a:solidFill>
+              <a:latin typeface="Calibri Light" panose="020F0302020204030204" pitchFamily="34" charset="0"/>
+            </a:endParaRPr>
+          </a:p>
+        </p:txBody>
+      </p:sp>
+      <p:sp>
+        <p:nvSpPr>
+          <p:cNvPr id="27" name="TextBox 26"/>
+          <p:cNvSpPr txBox="1"/>
+          <p:nvPr/>
+        </p:nvSpPr>
+        <p:spPr>
+          <a:xfrm>
+            <a:off x="1562099" y="2489774"/>
+            <a:ext cx="990600" cy="369332"/>
+          </a:xfrm>
+          <a:prstGeom prst="rect">
+            <a:avLst/>
+          </a:prstGeom>
+          <a:noFill/>
+        </p:spPr>
+        <p:txBody>
+          <a:bodyPr wrap="square" rtlCol="0">
+            <a:spAutoFit/>
+          </a:bodyPr>
+          <a:lstStyle/>
+          <a:p>
+            <a:r>
+              <a:rPr lang="en-US" dirty="0" smtClean="0">
+                <a:solidFill>
+                  <a:schemeClr val="tx1">
+                    <a:lumMod val="50000"/>
+                    <a:lumOff val="50000"/>
+                  </a:schemeClr>
+                </a:solidFill>
+                <a:latin typeface="Calibri Light" panose="020F0302020204030204" pitchFamily="34" charset="0"/>
+              </a:rPr>
+              <a:t>Distance</a:t>
+            </a:r>
+            <a:endParaRPr lang="en-US" dirty="0">
+              <a:solidFill>
+                <a:schemeClr val="tx1">
+                  <a:lumMod val="50000"/>
+                  <a:lumOff val="50000"/>
+                </a:schemeClr>
+              </a:solidFill>
+              <a:latin typeface="Calibri Light" panose="020F0302020204030204" pitchFamily="34" charset="0"/>
+            </a:endParaRPr>
+          </a:p>
+        </p:txBody>
+      </p:sp>
+      <p:sp>
+        <p:nvSpPr>
+          <p:cNvPr id="31" name="Rectangle 30"/>
+          <p:cNvSpPr/>
+          <p:nvPr/>
+        </p:nvSpPr>
+        <p:spPr>
+          <a:xfrm>
+            <a:off x="2705099" y="3242249"/>
+            <a:ext cx="3733800" cy="381000"/>
+          </a:xfrm>
+          <a:prstGeom prst="rect">
+            <a:avLst/>
+          </a:prstGeom>
+          <a:solidFill>
+            <a:schemeClr val="bg1"/>
+          </a:solidFill>
+          <a:ln w="12700">
+            <a:solidFill>
+              <a:schemeClr val="bg1">
+                <a:lumMod val="85000"/>
+              </a:schemeClr>
+            </a:solidFill>
+          </a:ln>
+        </p:spPr>
+        <p:style>
+          <a:lnRef idx="2">
+            <a:schemeClr val="accent1">
+              <a:shade val="50000"/>
+            </a:schemeClr>
+          </a:lnRef>
+          <a:fillRef idx="1">
+            <a:schemeClr val="accent1"/>
+          </a:fillRef>
+          <a:effectRef idx="0">
+            <a:schemeClr val="accent1"/>
+          </a:effectRef>
+          <a:fontRef idx="minor">
+            <a:schemeClr val="lt1"/>
+          </a:fontRef>
+        </p:style>
+        <p:txBody>
+          <a:bodyPr rtlCol="0" anchor="ctr"/>
+          <a:lstStyle/>
+          <a:p>
+            <a:pPr algn="ctr"/>
+            <a:r>
+              <a:rPr lang="en-US" dirty="0" smtClean="0">
+                <a:solidFill>
+                  <a:schemeClr val="tx1">
+                    <a:lumMod val="50000"/>
+                    <a:lumOff val="50000"/>
+                  </a:schemeClr>
+                </a:solidFill>
+                <a:latin typeface="Calibri Light" panose="020F0302020204030204" pitchFamily="34" charset="0"/>
+              </a:rPr>
+              <a:t>1:21:30</a:t>
+            </a:r>
+            <a:endParaRPr lang="en-US" dirty="0">
+              <a:solidFill>
+                <a:schemeClr val="tx1">
+                  <a:lumMod val="50000"/>
+                  <a:lumOff val="50000"/>
+                </a:schemeClr>
+              </a:solidFill>
+              <a:latin typeface="Calibri Light" panose="020F0302020204030204" pitchFamily="34" charset="0"/>
+            </a:endParaRPr>
+          </a:p>
+        </p:txBody>
+      </p:sp>
+      <p:sp>
+        <p:nvSpPr>
+          <p:cNvPr id="33" name="TextBox 32"/>
+          <p:cNvSpPr txBox="1"/>
+          <p:nvPr/>
+        </p:nvSpPr>
+        <p:spPr>
+          <a:xfrm>
+            <a:off x="1562099" y="3261299"/>
+            <a:ext cx="990600" cy="369332"/>
+          </a:xfrm>
+          <a:prstGeom prst="rect">
+            <a:avLst/>
+          </a:prstGeom>
+          <a:noFill/>
+        </p:spPr>
+        <p:txBody>
+          <a:bodyPr wrap="square" rtlCol="0">
+            <a:spAutoFit/>
+          </a:bodyPr>
+          <a:lstStyle/>
+          <a:p>
+            <a:r>
+              <a:rPr lang="en-US" dirty="0" smtClean="0">
+                <a:solidFill>
+                  <a:schemeClr val="tx1">
+                    <a:lumMod val="50000"/>
+                    <a:lumOff val="50000"/>
+                  </a:schemeClr>
+                </a:solidFill>
+                <a:latin typeface="Calibri Light" panose="020F0302020204030204" pitchFamily="34" charset="0"/>
+              </a:rPr>
+              <a:t>Calories</a:t>
             </a:r>
             <a:endParaRPr lang="en-US" dirty="0">
               <a:solidFill>
@@ -4113,6 +4005,13 @@
   <p:clrMapOvr>
     <a:masterClrMapping/>
   </p:clrMapOvr>
+  <p:timing>
+    <p:tnLst>
+      <p:par>
+        <p:cTn id="1" dur="indefinite" restart="never" nodeType="tmRoot"/>
+      </p:par>
+    </p:tnLst>
+  </p:timing>
 </p:sld>
 </file>
 

--- a/docs/Mockups/First Draft/Draft Workout Summary.pptx
+++ b/docs/Mockups/First Draft/Draft Workout Summary.pptx
@@ -3819,7 +3819,7 @@
                 </a:solidFill>
                 <a:latin typeface="Calibri Light" panose="020F0302020204030204" pitchFamily="34" charset="0"/>
               </a:rPr>
-              <a:t>1:21:30</a:t>
+              <a:t>5.0</a:t>
             </a:r>
             <a:endParaRPr lang="en-US" dirty="0">
               <a:solidFill>
@@ -3935,7 +3935,7 @@
                 </a:solidFill>
                 <a:latin typeface="Calibri Light" panose="020F0302020204030204" pitchFamily="34" charset="0"/>
               </a:rPr>
-              <a:t>1:21:30</a:t>
+              <a:t>216</a:t>
             </a:r>
             <a:endParaRPr lang="en-US" dirty="0">
               <a:solidFill>
